--- a/logo/RISH.pptx
+++ b/logo/RISH.pptx
@@ -3341,8 +3341,8 @@
         </p:nvSpPr>
         <p:spPr>
           <a:xfrm>
-            <a:off x="713607" y="1521547"/>
-            <a:ext cx="1554943" cy="2800767"/>
+            <a:off x="734725" y="1861183"/>
+            <a:ext cx="1554943" cy="1985736"/>
           </a:xfrm>
           <a:prstGeom prst="rect">
             <a:avLst/>
@@ -3355,7 +3355,11 @@
           </a:bodyPr>
           <a:lstStyle/>
           <a:p>
-            <a:pPr algn="ctr"/>
+            <a:pPr algn="ctr">
+              <a:lnSpc>
+                <a:spcPts val="7000"/>
+              </a:lnSpc>
+            </a:pPr>
             <a:r>
               <a:rPr lang="de-DE" sz="8800" spc="600" dirty="0">
                 <a:latin typeface="Caveat" panose="00000500000000000000" pitchFamily="2" charset="0"/>
@@ -3364,7 +3368,11 @@
             </a:r>
           </a:p>
           <a:p>
-            <a:pPr algn="ctr"/>
+            <a:pPr algn="ctr">
+              <a:lnSpc>
+                <a:spcPts val="7000"/>
+              </a:lnSpc>
+            </a:pPr>
             <a:r>
               <a:rPr lang="de-DE" sz="8800" spc="600" dirty="0">
                 <a:latin typeface="Caveat" panose="00000500000000000000" pitchFamily="2" charset="0"/>
@@ -3388,8 +3396,8 @@
         </p:nvSpPr>
         <p:spPr>
           <a:xfrm>
-            <a:off x="3153189" y="1688058"/>
-            <a:ext cx="4392455" cy="2492990"/>
+            <a:off x="3123692" y="1758744"/>
+            <a:ext cx="4392455" cy="1896417"/>
           </a:xfrm>
           <a:prstGeom prst="rect">
             <a:avLst/>
@@ -3402,56 +3410,76 @@
           </a:bodyPr>
           <a:lstStyle/>
           <a:p>
-            <a:r>
-              <a:rPr lang="de-DE" sz="3900" b="1" spc="600" dirty="0">
+            <a:pPr>
+              <a:lnSpc>
+                <a:spcPts val="3500"/>
+              </a:lnSpc>
+            </a:pPr>
+            <a:r>
+              <a:rPr lang="de-DE" sz="3300" b="1" spc="600" dirty="0">
                 <a:latin typeface="Caveat" panose="00000500000000000000" pitchFamily="2" charset="0"/>
               </a:rPr>
               <a:t>R</a:t>
             </a:r>
             <a:r>
-              <a:rPr lang="de-DE" sz="3900" spc="600" dirty="0">
+              <a:rPr lang="de-DE" sz="3300" spc="600" dirty="0">
                 <a:latin typeface="Caveat" panose="00000500000000000000" pitchFamily="2" charset="0"/>
               </a:rPr>
               <a:t>ehabilitation</a:t>
             </a:r>
           </a:p>
           <a:p>
-            <a:r>
-              <a:rPr lang="de-DE" sz="3900" b="1" spc="600" dirty="0">
+            <a:pPr>
+              <a:lnSpc>
+                <a:spcPts val="3500"/>
+              </a:lnSpc>
+            </a:pPr>
+            <a:r>
+              <a:rPr lang="de-DE" sz="3300" b="1" spc="600" dirty="0">
                 <a:latin typeface="Caveat" panose="00000500000000000000" pitchFamily="2" charset="0"/>
               </a:rPr>
               <a:t>I</a:t>
             </a:r>
             <a:r>
-              <a:rPr lang="de-DE" sz="3900" spc="600" dirty="0">
+              <a:rPr lang="de-DE" sz="3300" spc="600" dirty="0">
                 <a:latin typeface="Caveat" panose="00000500000000000000" pitchFamily="2" charset="0"/>
               </a:rPr>
               <a:t>nklusion</a:t>
             </a:r>
           </a:p>
           <a:p>
-            <a:r>
-              <a:rPr lang="de-DE" sz="3900" b="1" spc="600" dirty="0">
+            <a:pPr>
+              <a:lnSpc>
+                <a:spcPts val="3500"/>
+              </a:lnSpc>
+            </a:pPr>
+            <a:r>
+              <a:rPr lang="de-DE" sz="3300" b="1" spc="600" dirty="0">
                 <a:latin typeface="Caveat" panose="00000500000000000000" pitchFamily="2" charset="0"/>
               </a:rPr>
               <a:t>S</a:t>
             </a:r>
             <a:r>
-              <a:rPr lang="de-DE" sz="3900" spc="600" dirty="0">
+              <a:rPr lang="de-DE" sz="3300" spc="600" dirty="0">
                 <a:latin typeface="Caveat" panose="00000500000000000000" pitchFamily="2" charset="0"/>
               </a:rPr>
               <a:t>onderpädagogik</a:t>
             </a:r>
           </a:p>
           <a:p>
-            <a:r>
-              <a:rPr lang="de-DE" sz="3900" b="1" spc="600" dirty="0">
+            <a:pPr>
+              <a:lnSpc>
+                <a:spcPts val="3500"/>
+              </a:lnSpc>
+            </a:pPr>
+            <a:r>
+              <a:rPr lang="de-DE" sz="3300" b="1" spc="600" dirty="0">
                 <a:latin typeface="Caveat" panose="00000500000000000000" pitchFamily="2" charset="0"/>
               </a:rPr>
               <a:t>H</a:t>
             </a:r>
             <a:r>
-              <a:rPr lang="de-DE" sz="3900" spc="600" dirty="0">
+              <a:rPr lang="de-DE" sz="3300" spc="600" dirty="0">
                 <a:latin typeface="Caveat" panose="00000500000000000000" pitchFamily="2" charset="0"/>
               </a:rPr>
               <a:t>eilpädagogik</a:t>
@@ -3473,8 +3501,8 @@
         </p:nvCxnSpPr>
         <p:spPr>
           <a:xfrm flipV="1">
-            <a:off x="2721428" y="1807906"/>
-            <a:ext cx="0" cy="2232000"/>
+            <a:off x="2721424" y="1847234"/>
+            <a:ext cx="0" cy="1692000"/>
           </a:xfrm>
           <a:prstGeom prst="line">
             <a:avLst/>
@@ -3532,10 +3560,10 @@
       </p:grpSpPr>
       <p:pic>
         <p:nvPicPr>
-          <p:cNvPr id="2" name="Grafik 1">
-            <a:extLst>
-              <a:ext uri="{FF2B5EF4-FFF2-40B4-BE49-F238E27FC236}">
-                <a16:creationId xmlns:a16="http://schemas.microsoft.com/office/drawing/2014/main" id="{5162299B-8A51-46E6-9EA8-897890E2309F}"/>
+          <p:cNvPr id="3" name="Grafik 2">
+            <a:extLst>
+              <a:ext uri="{FF2B5EF4-FFF2-40B4-BE49-F238E27FC236}">
+                <a16:creationId xmlns:a16="http://schemas.microsoft.com/office/drawing/2014/main" id="{6A48A898-9C2B-4A56-8CD3-8E3BA55506B9}"/>
               </a:ext>
             </a:extLst>
           </p:cNvPr>
@@ -3546,13 +3574,13 @@
         </p:nvPicPr>
         <p:blipFill rotWithShape="1">
           <a:blip r:embed="rId2"/>
-          <a:srcRect l="11011" t="15203" r="4491" b="11877"/>
+          <a:srcRect l="10886" t="18548" r="11021" b="16275"/>
           <a:stretch/>
         </p:blipFill>
         <p:spPr>
           <a:xfrm>
-            <a:off x="2487561" y="2143432"/>
-            <a:ext cx="6243484" cy="2694039"/>
+            <a:off x="1582993" y="2408904"/>
+            <a:ext cx="5732207" cy="2113936"/>
           </a:xfrm>
           <a:prstGeom prst="rect">
             <a:avLst/>

--- a/logo/RISH.pptx
+++ b/logo/RISH.pptx
@@ -3574,13 +3574,13 @@
         </p:nvPicPr>
         <p:blipFill rotWithShape="1">
           <a:blip r:embed="rId2"/>
-          <a:srcRect l="10886" t="18548" r="11021" b="16275"/>
+          <a:srcRect l="10886" t="5512" r="11021" b="16276"/>
           <a:stretch/>
         </p:blipFill>
         <p:spPr>
           <a:xfrm>
-            <a:off x="1582993" y="2408904"/>
-            <a:ext cx="5732207" cy="2113936"/>
+            <a:off x="1582993" y="1986116"/>
+            <a:ext cx="5732207" cy="2536724"/>
           </a:xfrm>
           <a:prstGeom prst="rect">
             <a:avLst/>

--- a/logo/RISH.pptx
+++ b/logo/RISH.pptx
@@ -3574,13 +3574,42 @@
         </p:nvPicPr>
         <p:blipFill rotWithShape="1">
           <a:blip r:embed="rId2"/>
-          <a:srcRect l="10886" t="5512" r="11021" b="16276"/>
+          <a:srcRect l="10886" t="10969" r="11021" b="16276"/>
           <a:stretch/>
         </p:blipFill>
         <p:spPr>
           <a:xfrm>
-            <a:off x="1582993" y="1986116"/>
-            <a:ext cx="5732207" cy="2536724"/>
+            <a:off x="648928" y="1465006"/>
+            <a:ext cx="5732207" cy="2359743"/>
+          </a:xfrm>
+          <a:prstGeom prst="rect">
+            <a:avLst/>
+          </a:prstGeom>
+        </p:spPr>
+      </p:pic>
+      <p:pic>
+        <p:nvPicPr>
+          <p:cNvPr id="4" name="Grafik 3">
+            <a:extLst>
+              <a:ext uri="{FF2B5EF4-FFF2-40B4-BE49-F238E27FC236}">
+                <a16:creationId xmlns:a16="http://schemas.microsoft.com/office/drawing/2014/main" id="{227CCFEF-0D9C-4817-9647-7D8CF7D3A219}"/>
+              </a:ext>
+            </a:extLst>
+          </p:cNvPr>
+          <p:cNvPicPr>
+            <a:picLocks noChangeAspect="1"/>
+          </p:cNvPicPr>
+          <p:nvPr/>
+        </p:nvPicPr>
+        <p:blipFill rotWithShape="1">
+          <a:blip r:embed="rId2"/>
+          <a:srcRect l="10886" t="18699" r="11021" b="16276"/>
+          <a:stretch/>
+        </p:blipFill>
+        <p:spPr>
+          <a:xfrm>
+            <a:off x="3141406" y="4463845"/>
+            <a:ext cx="5732207" cy="2109020"/>
           </a:xfrm>
           <a:prstGeom prst="rect">
             <a:avLst/>

--- a/logo/RISH.pptx
+++ b/logo/RISH.pptx
@@ -6,7 +6,6 @@
   </p:sldMasterIdLst>
   <p:sldIdLst>
     <p:sldId id="257" r:id="rId2"/>
-    <p:sldId id="258" r:id="rId3"/>
   </p:sldIdLst>
   <p:sldSz cx="12192000" cy="6858000"/>
   <p:notesSz cx="6858000" cy="9144000"/>
@@ -260,7 +259,7 @@
           <a:p>
             <a:fld id="{004EFA21-CAE0-4230-99FB-7D2E4C23E2CC}" type="datetimeFigureOut">
               <a:rPr lang="de-DE" smtClean="0"/>
-              <a:t>23.03.2022</a:t>
+              <a:t>19.05.2022</a:t>
             </a:fld>
             <a:endParaRPr lang="de-DE"/>
           </a:p>
@@ -458,7 +457,7 @@
           <a:p>
             <a:fld id="{004EFA21-CAE0-4230-99FB-7D2E4C23E2CC}" type="datetimeFigureOut">
               <a:rPr lang="de-DE" smtClean="0"/>
-              <a:t>23.03.2022</a:t>
+              <a:t>19.05.2022</a:t>
             </a:fld>
             <a:endParaRPr lang="de-DE"/>
           </a:p>
@@ -666,7 +665,7 @@
           <a:p>
             <a:fld id="{004EFA21-CAE0-4230-99FB-7D2E4C23E2CC}" type="datetimeFigureOut">
               <a:rPr lang="de-DE" smtClean="0"/>
-              <a:t>23.03.2022</a:t>
+              <a:t>19.05.2022</a:t>
             </a:fld>
             <a:endParaRPr lang="de-DE"/>
           </a:p>
@@ -864,7 +863,7 @@
           <a:p>
             <a:fld id="{004EFA21-CAE0-4230-99FB-7D2E4C23E2CC}" type="datetimeFigureOut">
               <a:rPr lang="de-DE" smtClean="0"/>
-              <a:t>23.03.2022</a:t>
+              <a:t>19.05.2022</a:t>
             </a:fld>
             <a:endParaRPr lang="de-DE"/>
           </a:p>
@@ -1139,7 +1138,7 @@
           <a:p>
             <a:fld id="{004EFA21-CAE0-4230-99FB-7D2E4C23E2CC}" type="datetimeFigureOut">
               <a:rPr lang="de-DE" smtClean="0"/>
-              <a:t>23.03.2022</a:t>
+              <a:t>19.05.2022</a:t>
             </a:fld>
             <a:endParaRPr lang="de-DE"/>
           </a:p>
@@ -1404,7 +1403,7 @@
           <a:p>
             <a:fld id="{004EFA21-CAE0-4230-99FB-7D2E4C23E2CC}" type="datetimeFigureOut">
               <a:rPr lang="de-DE" smtClean="0"/>
-              <a:t>23.03.2022</a:t>
+              <a:t>19.05.2022</a:t>
             </a:fld>
             <a:endParaRPr lang="de-DE"/>
           </a:p>
@@ -1816,7 +1815,7 @@
           <a:p>
             <a:fld id="{004EFA21-CAE0-4230-99FB-7D2E4C23E2CC}" type="datetimeFigureOut">
               <a:rPr lang="de-DE" smtClean="0"/>
-              <a:t>23.03.2022</a:t>
+              <a:t>19.05.2022</a:t>
             </a:fld>
             <a:endParaRPr lang="de-DE"/>
           </a:p>
@@ -1957,7 +1956,7 @@
           <a:p>
             <a:fld id="{004EFA21-CAE0-4230-99FB-7D2E4C23E2CC}" type="datetimeFigureOut">
               <a:rPr lang="de-DE" smtClean="0"/>
-              <a:t>23.03.2022</a:t>
+              <a:t>19.05.2022</a:t>
             </a:fld>
             <a:endParaRPr lang="de-DE"/>
           </a:p>
@@ -2070,7 +2069,7 @@
           <a:p>
             <a:fld id="{004EFA21-CAE0-4230-99FB-7D2E4C23E2CC}" type="datetimeFigureOut">
               <a:rPr lang="de-DE" smtClean="0"/>
-              <a:t>23.03.2022</a:t>
+              <a:t>19.05.2022</a:t>
             </a:fld>
             <a:endParaRPr lang="de-DE"/>
           </a:p>
@@ -2381,7 +2380,7 @@
           <a:p>
             <a:fld id="{004EFA21-CAE0-4230-99FB-7D2E4C23E2CC}" type="datetimeFigureOut">
               <a:rPr lang="de-DE" smtClean="0"/>
-              <a:t>23.03.2022</a:t>
+              <a:t>19.05.2022</a:t>
             </a:fld>
             <a:endParaRPr lang="de-DE"/>
           </a:p>
@@ -2669,7 +2668,7 @@
           <a:p>
             <a:fld id="{004EFA21-CAE0-4230-99FB-7D2E4C23E2CC}" type="datetimeFigureOut">
               <a:rPr lang="de-DE" smtClean="0"/>
-              <a:t>23.03.2022</a:t>
+              <a:t>19.05.2022</a:t>
             </a:fld>
             <a:endParaRPr lang="de-DE"/>
           </a:p>
@@ -2910,7 +2909,7 @@
           <a:p>
             <a:fld id="{004EFA21-CAE0-4230-99FB-7D2E4C23E2CC}" type="datetimeFigureOut">
               <a:rPr lang="de-DE" smtClean="0"/>
-              <a:t>23.03.2022</a:t>
+              <a:t>19.05.2022</a:t>
             </a:fld>
             <a:endParaRPr lang="de-DE"/>
           </a:p>
@@ -3327,243 +3326,12 @@
           <a:chExt cx="0" cy="0"/>
         </a:xfrm>
       </p:grpSpPr>
-      <p:sp>
-        <p:nvSpPr>
-          <p:cNvPr id="5" name="Textfeld 4">
-            <a:extLst>
-              <a:ext uri="{FF2B5EF4-FFF2-40B4-BE49-F238E27FC236}">
-                <a16:creationId xmlns:a16="http://schemas.microsoft.com/office/drawing/2014/main" id="{23371AD0-F054-4A24-A733-B5B0F7A6FF0F}"/>
-              </a:ext>
-            </a:extLst>
-          </p:cNvPr>
-          <p:cNvSpPr txBox="1"/>
-          <p:nvPr/>
-        </p:nvSpPr>
-        <p:spPr>
-          <a:xfrm>
-            <a:off x="734725" y="1861183"/>
-            <a:ext cx="1554943" cy="1985736"/>
-          </a:xfrm>
-          <a:prstGeom prst="rect">
-            <a:avLst/>
-          </a:prstGeom>
-          <a:noFill/>
-        </p:spPr>
-        <p:txBody>
-          <a:bodyPr wrap="square">
-            <a:spAutoFit/>
-          </a:bodyPr>
-          <a:lstStyle/>
-          <a:p>
-            <a:pPr algn="ctr">
-              <a:lnSpc>
-                <a:spcPts val="7000"/>
-              </a:lnSpc>
-            </a:pPr>
-            <a:r>
-              <a:rPr lang="de-DE" sz="8800" spc="600" dirty="0">
-                <a:latin typeface="Caveat" panose="00000500000000000000" pitchFamily="2" charset="0"/>
-              </a:rPr>
-              <a:t>RI</a:t>
-            </a:r>
-          </a:p>
-          <a:p>
-            <a:pPr algn="ctr">
-              <a:lnSpc>
-                <a:spcPts val="7000"/>
-              </a:lnSpc>
-            </a:pPr>
-            <a:r>
-              <a:rPr lang="de-DE" sz="8800" spc="600" dirty="0">
-                <a:latin typeface="Caveat" panose="00000500000000000000" pitchFamily="2" charset="0"/>
-              </a:rPr>
-              <a:t>SH</a:t>
-            </a:r>
-          </a:p>
-        </p:txBody>
-      </p:sp>
-      <p:sp>
-        <p:nvSpPr>
-          <p:cNvPr id="7" name="Textfeld 6">
-            <a:extLst>
-              <a:ext uri="{FF2B5EF4-FFF2-40B4-BE49-F238E27FC236}">
-                <a16:creationId xmlns:a16="http://schemas.microsoft.com/office/drawing/2014/main" id="{9B89EB5F-5ACF-4160-9C6F-FC37AAC38E92}"/>
-              </a:ext>
-            </a:extLst>
-          </p:cNvPr>
-          <p:cNvSpPr txBox="1"/>
-          <p:nvPr/>
-        </p:nvSpPr>
-        <p:spPr>
-          <a:xfrm>
-            <a:off x="3123692" y="1758744"/>
-            <a:ext cx="4392455" cy="1896417"/>
-          </a:xfrm>
-          <a:prstGeom prst="rect">
-            <a:avLst/>
-          </a:prstGeom>
-          <a:noFill/>
-        </p:spPr>
-        <p:txBody>
-          <a:bodyPr wrap="square">
-            <a:spAutoFit/>
-          </a:bodyPr>
-          <a:lstStyle/>
-          <a:p>
-            <a:pPr>
-              <a:lnSpc>
-                <a:spcPts val="3500"/>
-              </a:lnSpc>
-            </a:pPr>
-            <a:r>
-              <a:rPr lang="de-DE" sz="3300" b="1" spc="600" dirty="0">
-                <a:latin typeface="Caveat" panose="00000500000000000000" pitchFamily="2" charset="0"/>
-              </a:rPr>
-              <a:t>R</a:t>
-            </a:r>
-            <a:r>
-              <a:rPr lang="de-DE" sz="3300" spc="600" dirty="0">
-                <a:latin typeface="Caveat" panose="00000500000000000000" pitchFamily="2" charset="0"/>
-              </a:rPr>
-              <a:t>ehabilitation</a:t>
-            </a:r>
-          </a:p>
-          <a:p>
-            <a:pPr>
-              <a:lnSpc>
-                <a:spcPts val="3500"/>
-              </a:lnSpc>
-            </a:pPr>
-            <a:r>
-              <a:rPr lang="de-DE" sz="3300" b="1" spc="600" dirty="0">
-                <a:latin typeface="Caveat" panose="00000500000000000000" pitchFamily="2" charset="0"/>
-              </a:rPr>
-              <a:t>I</a:t>
-            </a:r>
-            <a:r>
-              <a:rPr lang="de-DE" sz="3300" spc="600" dirty="0">
-                <a:latin typeface="Caveat" panose="00000500000000000000" pitchFamily="2" charset="0"/>
-              </a:rPr>
-              <a:t>nklusion</a:t>
-            </a:r>
-          </a:p>
-          <a:p>
-            <a:pPr>
-              <a:lnSpc>
-                <a:spcPts val="3500"/>
-              </a:lnSpc>
-            </a:pPr>
-            <a:r>
-              <a:rPr lang="de-DE" sz="3300" b="1" spc="600" dirty="0">
-                <a:latin typeface="Caveat" panose="00000500000000000000" pitchFamily="2" charset="0"/>
-              </a:rPr>
-              <a:t>S</a:t>
-            </a:r>
-            <a:r>
-              <a:rPr lang="de-DE" sz="3300" spc="600" dirty="0">
-                <a:latin typeface="Caveat" panose="00000500000000000000" pitchFamily="2" charset="0"/>
-              </a:rPr>
-              <a:t>onderpädagogik</a:t>
-            </a:r>
-          </a:p>
-          <a:p>
-            <a:pPr>
-              <a:lnSpc>
-                <a:spcPts val="3500"/>
-              </a:lnSpc>
-            </a:pPr>
-            <a:r>
-              <a:rPr lang="de-DE" sz="3300" b="1" spc="600" dirty="0">
-                <a:latin typeface="Caveat" panose="00000500000000000000" pitchFamily="2" charset="0"/>
-              </a:rPr>
-              <a:t>H</a:t>
-            </a:r>
-            <a:r>
-              <a:rPr lang="de-DE" sz="3300" spc="600" dirty="0">
-                <a:latin typeface="Caveat" panose="00000500000000000000" pitchFamily="2" charset="0"/>
-              </a:rPr>
-              <a:t>eilpädagogik</a:t>
-            </a:r>
-          </a:p>
-        </p:txBody>
-      </p:sp>
-      <p:cxnSp>
-        <p:nvCxnSpPr>
-          <p:cNvPr id="4" name="Gerader Verbinder 3">
-            <a:extLst>
-              <a:ext uri="{FF2B5EF4-FFF2-40B4-BE49-F238E27FC236}">
-                <a16:creationId xmlns:a16="http://schemas.microsoft.com/office/drawing/2014/main" id="{D2F15B42-0907-45B5-B805-560D2EE5B89C}"/>
-              </a:ext>
-            </a:extLst>
-          </p:cNvPr>
-          <p:cNvCxnSpPr/>
-          <p:nvPr/>
-        </p:nvCxnSpPr>
-        <p:spPr>
-          <a:xfrm flipV="1">
-            <a:off x="2721424" y="1847234"/>
-            <a:ext cx="0" cy="1692000"/>
-          </a:xfrm>
-          <a:prstGeom prst="line">
-            <a:avLst/>
-          </a:prstGeom>
-          <a:ln w="31750">
-            <a:solidFill>
-              <a:schemeClr val="tx1"/>
-            </a:solidFill>
-          </a:ln>
-        </p:spPr>
-        <p:style>
-          <a:lnRef idx="1">
-            <a:schemeClr val="accent1"/>
-          </a:lnRef>
-          <a:fillRef idx="0">
-            <a:schemeClr val="accent1"/>
-          </a:fillRef>
-          <a:effectRef idx="0">
-            <a:schemeClr val="accent1"/>
-          </a:effectRef>
-          <a:fontRef idx="minor">
-            <a:schemeClr val="tx1"/>
-          </a:fontRef>
-        </p:style>
-      </p:cxnSp>
-    </p:spTree>
-    <p:extLst>
-      <p:ext uri="{BB962C8B-B14F-4D97-AF65-F5344CB8AC3E}">
-        <p14:creationId xmlns:p14="http://schemas.microsoft.com/office/powerpoint/2010/main" val="426610806"/>
-      </p:ext>
-    </p:extLst>
-  </p:cSld>
-  <p:clrMapOvr>
-    <a:masterClrMapping/>
-  </p:clrMapOvr>
-</p:sld>
-</file>
-
-<file path=ppt/slides/slide2.xml><?xml version="1.0" encoding="utf-8"?>
-<p:sld xmlns:a="http://schemas.openxmlformats.org/drawingml/2006/main" xmlns:r="http://schemas.openxmlformats.org/officeDocument/2006/relationships" xmlns:p="http://schemas.openxmlformats.org/presentationml/2006/main">
-  <p:cSld>
-    <p:spTree>
-      <p:nvGrpSpPr>
-        <p:cNvPr id="1" name=""/>
-        <p:cNvGrpSpPr/>
-        <p:nvPr/>
-      </p:nvGrpSpPr>
-      <p:grpSpPr>
-        <a:xfrm>
-          <a:off x="0" y="0"/>
-          <a:ext cx="0" cy="0"/>
-          <a:chOff x="0" y="0"/>
-          <a:chExt cx="0" cy="0"/>
-        </a:xfrm>
-      </p:grpSpPr>
       <p:pic>
         <p:nvPicPr>
-          <p:cNvPr id="3" name="Grafik 2">
-            <a:extLst>
-              <a:ext uri="{FF2B5EF4-FFF2-40B4-BE49-F238E27FC236}">
-                <a16:creationId xmlns:a16="http://schemas.microsoft.com/office/drawing/2014/main" id="{6A48A898-9C2B-4A56-8CD3-8E3BA55506B9}"/>
+          <p:cNvPr id="3" name="Grafik 2" descr="Ein Bild, das Text enthält.&#10;&#10;Automatisch generierte Beschreibung">
+            <a:extLst>
+              <a:ext uri="{FF2B5EF4-FFF2-40B4-BE49-F238E27FC236}">
+                <a16:creationId xmlns:a16="http://schemas.microsoft.com/office/drawing/2014/main" id="{ADB48224-64A6-B05C-B70D-7AE1689BAEE9}"/>
               </a:ext>
             </a:extLst>
           </p:cNvPr>
@@ -3573,43 +3341,20 @@
           <p:nvPr/>
         </p:nvPicPr>
         <p:blipFill rotWithShape="1">
-          <a:blip r:embed="rId2"/>
-          <a:srcRect l="10886" t="10969" r="11021" b="16276"/>
+          <a:blip r:embed="rId2">
+            <a:extLst>
+              <a:ext uri="{28A0092B-C50C-407E-A947-70E740481C1C}">
+                <a14:useLocalDpi xmlns:a14="http://schemas.microsoft.com/office/drawing/2010/main" val="0"/>
+              </a:ext>
+            </a:extLst>
+          </a:blip>
+          <a:srcRect l="4858" t="16192" r="3233" b="17878"/>
           <a:stretch/>
         </p:blipFill>
         <p:spPr>
           <a:xfrm>
-            <a:off x="648928" y="1465006"/>
-            <a:ext cx="5732207" cy="2359743"/>
-          </a:xfrm>
-          <a:prstGeom prst="rect">
-            <a:avLst/>
-          </a:prstGeom>
-        </p:spPr>
-      </p:pic>
-      <p:pic>
-        <p:nvPicPr>
-          <p:cNvPr id="4" name="Grafik 3">
-            <a:extLst>
-              <a:ext uri="{FF2B5EF4-FFF2-40B4-BE49-F238E27FC236}">
-                <a16:creationId xmlns:a16="http://schemas.microsoft.com/office/drawing/2014/main" id="{227CCFEF-0D9C-4817-9647-7D8CF7D3A219}"/>
-              </a:ext>
-            </a:extLst>
-          </p:cNvPr>
-          <p:cNvPicPr>
-            <a:picLocks noChangeAspect="1"/>
-          </p:cNvPicPr>
-          <p:nvPr/>
-        </p:nvPicPr>
-        <p:blipFill rotWithShape="1">
-          <a:blip r:embed="rId2"/>
-          <a:srcRect l="10886" t="18699" r="11021" b="16276"/>
-          <a:stretch/>
-        </p:blipFill>
-        <p:spPr>
-          <a:xfrm>
-            <a:off x="3141406" y="4463845"/>
-            <a:ext cx="5732207" cy="2109020"/>
+            <a:off x="2547938" y="1985964"/>
+            <a:ext cx="7843837" cy="3167062"/>
           </a:xfrm>
           <a:prstGeom prst="rect">
             <a:avLst/>
@@ -3619,7 +3364,7 @@
     </p:spTree>
     <p:extLst>
       <p:ext uri="{BB962C8B-B14F-4D97-AF65-F5344CB8AC3E}">
-        <p14:creationId xmlns:p14="http://schemas.microsoft.com/office/powerpoint/2010/main" val="832745859"/>
+        <p14:creationId xmlns:p14="http://schemas.microsoft.com/office/powerpoint/2010/main" val="426610806"/>
       </p:ext>
     </p:extLst>
   </p:cSld>

--- a/logo/RISH.pptx
+++ b/logo/RISH.pptx
@@ -6,6 +6,7 @@
   </p:sldMasterIdLst>
   <p:sldIdLst>
     <p:sldId id="257" r:id="rId2"/>
+    <p:sldId id="258" r:id="rId3"/>
   </p:sldIdLst>
   <p:sldSz cx="12192000" cy="6858000"/>
   <p:notesSz cx="6858000" cy="9144000"/>
@@ -3374,6 +3375,117 @@
 </p:sld>
 </file>
 
+<file path=ppt/slides/slide2.xml><?xml version="1.0" encoding="utf-8"?>
+<p:sld xmlns:a="http://schemas.openxmlformats.org/drawingml/2006/main" xmlns:r="http://schemas.openxmlformats.org/officeDocument/2006/relationships" xmlns:p="http://schemas.openxmlformats.org/presentationml/2006/main">
+  <p:cSld>
+    <p:spTree>
+      <p:nvGrpSpPr>
+        <p:cNvPr id="1" name=""/>
+        <p:cNvGrpSpPr/>
+        <p:nvPr/>
+      </p:nvGrpSpPr>
+      <p:grpSpPr>
+        <a:xfrm>
+          <a:off x="0" y="0"/>
+          <a:ext cx="0" cy="0"/>
+          <a:chOff x="0" y="0"/>
+          <a:chExt cx="0" cy="0"/>
+        </a:xfrm>
+      </p:grpSpPr>
+      <p:pic>
+        <p:nvPicPr>
+          <p:cNvPr id="3" name="Grafik 2" descr="Ein Bild, das Text enthält.&#10;&#10;Automatisch generierte Beschreibung">
+            <a:extLst>
+              <a:ext uri="{FF2B5EF4-FFF2-40B4-BE49-F238E27FC236}">
+                <a16:creationId xmlns:a16="http://schemas.microsoft.com/office/drawing/2014/main" id="{ADB48224-64A6-B05C-B70D-7AE1689BAEE9}"/>
+              </a:ext>
+            </a:extLst>
+          </p:cNvPr>
+          <p:cNvPicPr>
+            <a:picLocks noChangeAspect="1"/>
+          </p:cNvPicPr>
+          <p:nvPr/>
+        </p:nvPicPr>
+        <p:blipFill rotWithShape="1">
+          <a:blip r:embed="rId2">
+            <a:extLst>
+              <a:ext uri="{28A0092B-C50C-407E-A947-70E740481C1C}">
+                <a14:useLocalDpi xmlns:a14="http://schemas.microsoft.com/office/drawing/2010/main" val="0"/>
+              </a:ext>
+            </a:extLst>
+          </a:blip>
+          <a:srcRect l="4858" t="16192" r="58021" b="17878"/>
+          <a:stretch/>
+        </p:blipFill>
+        <p:spPr>
+          <a:xfrm>
+            <a:off x="1573163" y="1845469"/>
+            <a:ext cx="3168000" cy="3167062"/>
+          </a:xfrm>
+          <a:prstGeom prst="rect">
+            <a:avLst/>
+          </a:prstGeom>
+        </p:spPr>
+      </p:pic>
+      <p:sp>
+        <p:nvSpPr>
+          <p:cNvPr id="2" name="Rechteck 1">
+            <a:extLst>
+              <a:ext uri="{FF2B5EF4-FFF2-40B4-BE49-F238E27FC236}">
+                <a16:creationId xmlns:a16="http://schemas.microsoft.com/office/drawing/2014/main" id="{C9BF9119-D6D6-D681-38F2-9D134E40DCF3}"/>
+              </a:ext>
+            </a:extLst>
+          </p:cNvPr>
+          <p:cNvSpPr/>
+          <p:nvPr/>
+        </p:nvSpPr>
+        <p:spPr>
+          <a:xfrm>
+            <a:off x="6902246" y="1845469"/>
+            <a:ext cx="3168000" cy="3167062"/>
+          </a:xfrm>
+          <a:prstGeom prst="rect">
+            <a:avLst/>
+          </a:prstGeom>
+        </p:spPr>
+        <p:style>
+          <a:lnRef idx="2">
+            <a:schemeClr val="accent1">
+              <a:shade val="50000"/>
+            </a:schemeClr>
+          </a:lnRef>
+          <a:fillRef idx="1">
+            <a:schemeClr val="accent1"/>
+          </a:fillRef>
+          <a:effectRef idx="0">
+            <a:schemeClr val="accent1"/>
+          </a:effectRef>
+          <a:fontRef idx="minor">
+            <a:schemeClr val="lt1"/>
+          </a:fontRef>
+        </p:style>
+        <p:txBody>
+          <a:bodyPr rtlCol="0" anchor="ctr"/>
+          <a:lstStyle/>
+          <a:p>
+            <a:pPr algn="ctr"/>
+            <a:endParaRPr lang="de-DE"/>
+          </a:p>
+        </p:txBody>
+      </p:sp>
+    </p:spTree>
+    <p:extLst>
+      <p:ext uri="{BB962C8B-B14F-4D97-AF65-F5344CB8AC3E}">
+        <p14:creationId xmlns:p14="http://schemas.microsoft.com/office/powerpoint/2010/main" val="937705685"/>
+      </p:ext>
+    </p:extLst>
+  </p:cSld>
+  <p:clrMapOvr>
+    <a:masterClrMapping/>
+  </p:clrMapOvr>
+</p:sld>
+</file>
+
 <file path=ppt/theme/theme1.xml><?xml version="1.0" encoding="utf-8"?>
 <a:theme xmlns:a="http://schemas.openxmlformats.org/drawingml/2006/main" name="Office">
   <a:themeElements>
